--- a/PACMAN.pptx
+++ b/PACMAN.pptx
@@ -11,10 +11,12 @@
     <p:sldId id="258" r:id="rId5"/>
     <p:sldId id="260" r:id="rId6"/>
     <p:sldId id="262" r:id="rId7"/>
-    <p:sldId id="263" r:id="rId8"/>
-    <p:sldId id="259" r:id="rId9"/>
-    <p:sldId id="264" r:id="rId10"/>
-    <p:sldId id="265" r:id="rId11"/>
+    <p:sldId id="266" r:id="rId8"/>
+    <p:sldId id="263" r:id="rId9"/>
+    <p:sldId id="259" r:id="rId10"/>
+    <p:sldId id="264" r:id="rId11"/>
+    <p:sldId id="265" r:id="rId12"/>
+    <p:sldId id="267" r:id="rId13"/>
   </p:sldIdLst>
   <p:sldSz cx="12192000" cy="6858000"/>
   <p:notesSz cx="6858000" cy="9144000"/>
@@ -113,6 +115,11 @@
       </a:defRPr>
     </a:lvl9pPr>
   </p:defaultTextStyle>
+  <p:extLst>
+    <p:ext uri="{EFAFB233-063F-42B5-8137-9DF3F51BA10A}">
+      <p15:sldGuideLst xmlns:p15="http://schemas.microsoft.com/office/powerpoint/2012/main"/>
+    </p:ext>
+  </p:extLst>
 </p:presentation>
 </file>
 
@@ -166,7 +173,7 @@
           <a:noFill/>
           <a:extLst>
             <a:ext uri="{909E8E84-426E-40dd-AFC4-6F175D3DCCD1}">
-              <a14:hiddenFill xmlns:a14="http://schemas.microsoft.com/office/drawing/2010/main" xmlns="">
+              <a14:hiddenFill xmlns="" xmlns:a14="http://schemas.microsoft.com/office/drawing/2010/main">
                 <a:solidFill>
                   <a:srgbClr val="FFFFFF"/>
                 </a:solidFill>
@@ -226,7 +233,7 @@
             </a:ln>
             <a:extLst>
               <a:ext uri="{91240B29-F687-4f45-9708-019B960494DF}">
-                <a14:hiddenLine xmlns:a14="http://schemas.microsoft.com/office/drawing/2010/main" xmlns="" w="9525">
+                <a14:hiddenLine xmlns="" xmlns:a14="http://schemas.microsoft.com/office/drawing/2010/main" w="9525">
                   <a:solidFill>
                     <a:srgbClr val="000000"/>
                   </a:solidFill>
@@ -316,7 +323,7 @@
             </a:ln>
             <a:extLst>
               <a:ext uri="{91240B29-F687-4f45-9708-019B960494DF}">
-                <a14:hiddenLine xmlns:a14="http://schemas.microsoft.com/office/drawing/2010/main" xmlns="" w="9525">
+                <a14:hiddenLine xmlns="" xmlns:a14="http://schemas.microsoft.com/office/drawing/2010/main" w="9525">
                   <a:solidFill>
                     <a:srgbClr val="000000"/>
                   </a:solidFill>
@@ -406,7 +413,7 @@
             </a:ln>
             <a:extLst>
               <a:ext uri="{91240B29-F687-4f45-9708-019B960494DF}">
-                <a14:hiddenLine xmlns:a14="http://schemas.microsoft.com/office/drawing/2010/main" xmlns="" w="9525">
+                <a14:hiddenLine xmlns="" xmlns:a14="http://schemas.microsoft.com/office/drawing/2010/main" w="9525">
                   <a:solidFill>
                     <a:srgbClr val="000000"/>
                   </a:solidFill>
@@ -440,7 +447,7 @@
             </a:ln>
             <a:extLst>
               <a:ext uri="{91240B29-F687-4f45-9708-019B960494DF}">
-                <a14:hiddenLine xmlns:a14="http://schemas.microsoft.com/office/drawing/2010/main" xmlns="" w="9525">
+                <a14:hiddenLine xmlns="" xmlns:a14="http://schemas.microsoft.com/office/drawing/2010/main" w="9525">
                   <a:solidFill>
                     <a:srgbClr val="000000"/>
                   </a:solidFill>
@@ -530,7 +537,7 @@
             </a:ln>
             <a:extLst>
               <a:ext uri="{91240B29-F687-4f45-9708-019B960494DF}">
-                <a14:hiddenLine xmlns:a14="http://schemas.microsoft.com/office/drawing/2010/main" xmlns="" w="9525">
+                <a14:hiddenLine xmlns="" xmlns:a14="http://schemas.microsoft.com/office/drawing/2010/main" w="9525">
                   <a:solidFill>
                     <a:srgbClr val="000000"/>
                   </a:solidFill>
@@ -592,7 +599,7 @@
             </a:ln>
             <a:extLst>
               <a:ext uri="{91240B29-F687-4f45-9708-019B960494DF}">
-                <a14:hiddenLine xmlns:a14="http://schemas.microsoft.com/office/drawing/2010/main" xmlns="" w="9525">
+                <a14:hiddenLine xmlns="" xmlns:a14="http://schemas.microsoft.com/office/drawing/2010/main" w="9525">
                   <a:solidFill>
                     <a:srgbClr val="000000"/>
                   </a:solidFill>
@@ -654,7 +661,7 @@
             </a:ln>
             <a:extLst>
               <a:ext uri="{91240B29-F687-4f45-9708-019B960494DF}">
-                <a14:hiddenLine xmlns:a14="http://schemas.microsoft.com/office/drawing/2010/main" xmlns="" w="9525">
+                <a14:hiddenLine xmlns="" xmlns:a14="http://schemas.microsoft.com/office/drawing/2010/main" w="9525">
                   <a:solidFill>
                     <a:srgbClr val="000000"/>
                   </a:solidFill>
@@ -744,7 +751,7 @@
             </a:ln>
             <a:extLst>
               <a:ext uri="{91240B29-F687-4f45-9708-019B960494DF}">
-                <a14:hiddenLine xmlns:a14="http://schemas.microsoft.com/office/drawing/2010/main" xmlns="" w="9525">
+                <a14:hiddenLine xmlns="" xmlns:a14="http://schemas.microsoft.com/office/drawing/2010/main" w="9525">
                   <a:solidFill>
                     <a:srgbClr val="000000"/>
                   </a:solidFill>
@@ -806,7 +813,7 @@
             </a:ln>
             <a:extLst>
               <a:ext uri="{91240B29-F687-4f45-9708-019B960494DF}">
-                <a14:hiddenLine xmlns:a14="http://schemas.microsoft.com/office/drawing/2010/main" xmlns="" w="9525">
+                <a14:hiddenLine xmlns="" xmlns:a14="http://schemas.microsoft.com/office/drawing/2010/main" w="9525">
                   <a:solidFill>
                     <a:srgbClr val="000000"/>
                   </a:solidFill>
@@ -868,7 +875,7 @@
             </a:ln>
             <a:extLst>
               <a:ext uri="{91240B29-F687-4f45-9708-019B960494DF}">
-                <a14:hiddenLine xmlns:a14="http://schemas.microsoft.com/office/drawing/2010/main" xmlns="" w="9525">
+                <a14:hiddenLine xmlns="" xmlns:a14="http://schemas.microsoft.com/office/drawing/2010/main" w="9525">
                   <a:solidFill>
                     <a:srgbClr val="000000"/>
                   </a:solidFill>
@@ -958,7 +965,7 @@
             </a:ln>
             <a:extLst>
               <a:ext uri="{91240B29-F687-4f45-9708-019B960494DF}">
-                <a14:hiddenLine xmlns:a14="http://schemas.microsoft.com/office/drawing/2010/main" xmlns="" w="9525">
+                <a14:hiddenLine xmlns="" xmlns:a14="http://schemas.microsoft.com/office/drawing/2010/main" w="9525">
                   <a:solidFill>
                     <a:srgbClr val="000000"/>
                   </a:solidFill>
@@ -1048,7 +1055,7 @@
             </a:ln>
             <a:extLst>
               <a:ext uri="{91240B29-F687-4f45-9708-019B960494DF}">
-                <a14:hiddenLine xmlns:a14="http://schemas.microsoft.com/office/drawing/2010/main" xmlns="" w="9525">
+                <a14:hiddenLine xmlns="" xmlns:a14="http://schemas.microsoft.com/office/drawing/2010/main" w="9525">
                   <a:solidFill>
                     <a:srgbClr val="000000"/>
                   </a:solidFill>
@@ -1110,7 +1117,7 @@
             </a:ln>
             <a:extLst>
               <a:ext uri="{91240B29-F687-4f45-9708-019B960494DF}">
-                <a14:hiddenLine xmlns:a14="http://schemas.microsoft.com/office/drawing/2010/main" xmlns="" w="9525">
+                <a14:hiddenLine xmlns="" xmlns:a14="http://schemas.microsoft.com/office/drawing/2010/main" w="9525">
                   <a:solidFill>
                     <a:srgbClr val="000000"/>
                   </a:solidFill>
@@ -1220,7 +1227,7 @@
             </a:ln>
             <a:extLst>
               <a:ext uri="{91240B29-F687-4f45-9708-019B960494DF}">
-                <a14:hiddenLine xmlns:a14="http://schemas.microsoft.com/office/drawing/2010/main" xmlns="" w="9525">
+                <a14:hiddenLine xmlns="" xmlns:a14="http://schemas.microsoft.com/office/drawing/2010/main" w="9525">
                   <a:solidFill>
                     <a:srgbClr val="000000"/>
                   </a:solidFill>
@@ -1282,7 +1289,7 @@
             </a:ln>
             <a:extLst>
               <a:ext uri="{91240B29-F687-4f45-9708-019B960494DF}">
-                <a14:hiddenLine xmlns:a14="http://schemas.microsoft.com/office/drawing/2010/main" xmlns="" w="9525">
+                <a14:hiddenLine xmlns="" xmlns:a14="http://schemas.microsoft.com/office/drawing/2010/main" w="9525">
                   <a:solidFill>
                     <a:srgbClr val="000000"/>
                   </a:solidFill>
@@ -1372,7 +1379,7 @@
             </a:ln>
             <a:extLst>
               <a:ext uri="{91240B29-F687-4f45-9708-019B960494DF}">
-                <a14:hiddenLine xmlns:a14="http://schemas.microsoft.com/office/drawing/2010/main" xmlns="" w="9525">
+                <a14:hiddenLine xmlns="" xmlns:a14="http://schemas.microsoft.com/office/drawing/2010/main" w="9525">
                   <a:solidFill>
                     <a:srgbClr val="000000"/>
                   </a:solidFill>
@@ -1462,7 +1469,7 @@
             </a:ln>
             <a:extLst>
               <a:ext uri="{91240B29-F687-4f45-9708-019B960494DF}">
-                <a14:hiddenLine xmlns:a14="http://schemas.microsoft.com/office/drawing/2010/main" xmlns="" w="9525">
+                <a14:hiddenLine xmlns="" xmlns:a14="http://schemas.microsoft.com/office/drawing/2010/main" w="9525">
                   <a:solidFill>
                     <a:srgbClr val="000000"/>
                   </a:solidFill>
@@ -1524,7 +1531,7 @@
             </a:ln>
             <a:extLst>
               <a:ext uri="{91240B29-F687-4f45-9708-019B960494DF}">
-                <a14:hiddenLine xmlns:a14="http://schemas.microsoft.com/office/drawing/2010/main" xmlns="" w="9525">
+                <a14:hiddenLine xmlns="" xmlns:a14="http://schemas.microsoft.com/office/drawing/2010/main" w="9525">
                   <a:solidFill>
                     <a:srgbClr val="000000"/>
                   </a:solidFill>
@@ -1614,7 +1621,7 @@
             </a:ln>
             <a:extLst>
               <a:ext uri="{91240B29-F687-4f45-9708-019B960494DF}">
-                <a14:hiddenLine xmlns:a14="http://schemas.microsoft.com/office/drawing/2010/main" xmlns="" w="9525">
+                <a14:hiddenLine xmlns="" xmlns:a14="http://schemas.microsoft.com/office/drawing/2010/main" w="9525">
                   <a:solidFill>
                     <a:srgbClr val="000000"/>
                   </a:solidFill>
@@ -1704,7 +1711,7 @@
             </a:ln>
             <a:extLst>
               <a:ext uri="{91240B29-F687-4f45-9708-019B960494DF}">
-                <a14:hiddenLine xmlns:a14="http://schemas.microsoft.com/office/drawing/2010/main" xmlns="" w="9525">
+                <a14:hiddenLine xmlns="" xmlns:a14="http://schemas.microsoft.com/office/drawing/2010/main" w="9525">
                   <a:solidFill>
                     <a:srgbClr val="000000"/>
                   </a:solidFill>
@@ -1760,7 +1767,7 @@
             </a:ln>
             <a:extLst>
               <a:ext uri="{91240B29-F687-4f45-9708-019B960494DF}">
-                <a14:hiddenLine xmlns:a14="http://schemas.microsoft.com/office/drawing/2010/main" xmlns="" w="9525">
+                <a14:hiddenLine xmlns="" xmlns:a14="http://schemas.microsoft.com/office/drawing/2010/main" w="9525">
                   <a:solidFill>
                     <a:srgbClr val="000000"/>
                   </a:solidFill>
@@ -1850,7 +1857,7 @@
             </a:ln>
             <a:extLst>
               <a:ext uri="{91240B29-F687-4f45-9708-019B960494DF}">
-                <a14:hiddenLine xmlns:a14="http://schemas.microsoft.com/office/drawing/2010/main" xmlns="" w="9525">
+                <a14:hiddenLine xmlns="" xmlns:a14="http://schemas.microsoft.com/office/drawing/2010/main" w="9525">
                   <a:solidFill>
                     <a:srgbClr val="000000"/>
                   </a:solidFill>
@@ -1906,7 +1913,7 @@
             </a:ln>
             <a:extLst>
               <a:ext uri="{91240B29-F687-4f45-9708-019B960494DF}">
-                <a14:hiddenLine xmlns:a14="http://schemas.microsoft.com/office/drawing/2010/main" xmlns="" w="9525">
+                <a14:hiddenLine xmlns="" xmlns:a14="http://schemas.microsoft.com/office/drawing/2010/main" w="9525">
                   <a:solidFill>
                     <a:srgbClr val="000000"/>
                   </a:solidFill>
@@ -1996,7 +2003,7 @@
             </a:ln>
             <a:extLst>
               <a:ext uri="{91240B29-F687-4f45-9708-019B960494DF}">
-                <a14:hiddenLine xmlns:a14="http://schemas.microsoft.com/office/drawing/2010/main" xmlns="" w="9525">
+                <a14:hiddenLine xmlns="" xmlns:a14="http://schemas.microsoft.com/office/drawing/2010/main" w="9525">
                   <a:solidFill>
                     <a:srgbClr val="000000"/>
                   </a:solidFill>
@@ -2064,7 +2071,7 @@
             </a:ln>
             <a:extLst>
               <a:ext uri="{91240B29-F687-4f45-9708-019B960494DF}">
-                <a14:hiddenLine xmlns:a14="http://schemas.microsoft.com/office/drawing/2010/main" xmlns="" w="9525">
+                <a14:hiddenLine xmlns="" xmlns:a14="http://schemas.microsoft.com/office/drawing/2010/main" w="9525">
                   <a:solidFill>
                     <a:srgbClr val="000000"/>
                   </a:solidFill>
@@ -2154,7 +2161,7 @@
             </a:ln>
             <a:extLst>
               <a:ext uri="{91240B29-F687-4f45-9708-019B960494DF}">
-                <a14:hiddenLine xmlns:a14="http://schemas.microsoft.com/office/drawing/2010/main" xmlns="" w="9525">
+                <a14:hiddenLine xmlns="" xmlns:a14="http://schemas.microsoft.com/office/drawing/2010/main" w="9525">
                   <a:solidFill>
                     <a:srgbClr val="000000"/>
                   </a:solidFill>
@@ -2222,7 +2229,7 @@
             </a:ln>
             <a:extLst>
               <a:ext uri="{91240B29-F687-4f45-9708-019B960494DF}">
-                <a14:hiddenLine xmlns:a14="http://schemas.microsoft.com/office/drawing/2010/main" xmlns="" w="9525">
+                <a14:hiddenLine xmlns="" xmlns:a14="http://schemas.microsoft.com/office/drawing/2010/main" w="9525">
                   <a:solidFill>
                     <a:srgbClr val="000000"/>
                   </a:solidFill>
@@ -2312,7 +2319,7 @@
             </a:ln>
             <a:extLst>
               <a:ext uri="{91240B29-F687-4f45-9708-019B960494DF}">
-                <a14:hiddenLine xmlns:a14="http://schemas.microsoft.com/office/drawing/2010/main" xmlns="" w="9525">
+                <a14:hiddenLine xmlns="" xmlns:a14="http://schemas.microsoft.com/office/drawing/2010/main" w="9525">
                   <a:solidFill>
                     <a:srgbClr val="000000"/>
                   </a:solidFill>
@@ -2346,7 +2353,7 @@
             </a:ln>
             <a:extLst>
               <a:ext uri="{91240B29-F687-4f45-9708-019B960494DF}">
-                <a14:hiddenLine xmlns:a14="http://schemas.microsoft.com/office/drawing/2010/main" xmlns="" w="9525">
+                <a14:hiddenLine xmlns="" xmlns:a14="http://schemas.microsoft.com/office/drawing/2010/main" w="9525">
                   <a:solidFill>
                     <a:srgbClr val="000000"/>
                   </a:solidFill>
@@ -2436,7 +2443,7 @@
             </a:ln>
             <a:extLst>
               <a:ext uri="{91240B29-F687-4f45-9708-019B960494DF}">
-                <a14:hiddenLine xmlns:a14="http://schemas.microsoft.com/office/drawing/2010/main" xmlns="" w="9525">
+                <a14:hiddenLine xmlns="" xmlns:a14="http://schemas.microsoft.com/office/drawing/2010/main" w="9525">
                   <a:solidFill>
                     <a:srgbClr val="000000"/>
                   </a:solidFill>
@@ -2498,7 +2505,7 @@
             </a:ln>
             <a:extLst>
               <a:ext uri="{91240B29-F687-4f45-9708-019B960494DF}">
-                <a14:hiddenLine xmlns:a14="http://schemas.microsoft.com/office/drawing/2010/main" xmlns="" w="9525">
+                <a14:hiddenLine xmlns="" xmlns:a14="http://schemas.microsoft.com/office/drawing/2010/main" w="9525">
                   <a:solidFill>
                     <a:srgbClr val="000000"/>
                   </a:solidFill>
@@ -2560,7 +2567,7 @@
             </a:ln>
             <a:extLst>
               <a:ext uri="{91240B29-F687-4f45-9708-019B960494DF}">
-                <a14:hiddenLine xmlns:a14="http://schemas.microsoft.com/office/drawing/2010/main" xmlns="" w="9525">
+                <a14:hiddenLine xmlns="" xmlns:a14="http://schemas.microsoft.com/office/drawing/2010/main" w="9525">
                   <a:solidFill>
                     <a:srgbClr val="000000"/>
                   </a:solidFill>
@@ -2650,7 +2657,7 @@
             </a:ln>
             <a:extLst>
               <a:ext uri="{91240B29-F687-4f45-9708-019B960494DF}">
-                <a14:hiddenLine xmlns:a14="http://schemas.microsoft.com/office/drawing/2010/main" xmlns="" w="9525">
+                <a14:hiddenLine xmlns="" xmlns:a14="http://schemas.microsoft.com/office/drawing/2010/main" w="9525">
                   <a:solidFill>
                     <a:srgbClr val="000000"/>
                   </a:solidFill>
@@ -2718,7 +2725,7 @@
             </a:ln>
             <a:extLst>
               <a:ext uri="{91240B29-F687-4f45-9708-019B960494DF}">
-                <a14:hiddenLine xmlns:a14="http://schemas.microsoft.com/office/drawing/2010/main" xmlns="" w="9525">
+                <a14:hiddenLine xmlns="" xmlns:a14="http://schemas.microsoft.com/office/drawing/2010/main" w="9525">
                   <a:solidFill>
                     <a:srgbClr val="000000"/>
                   </a:solidFill>
@@ -2780,7 +2787,7 @@
             </a:ln>
             <a:extLst>
               <a:ext uri="{91240B29-F687-4f45-9708-019B960494DF}">
-                <a14:hiddenLine xmlns:a14="http://schemas.microsoft.com/office/drawing/2010/main" xmlns="" w="9525">
+                <a14:hiddenLine xmlns="" xmlns:a14="http://schemas.microsoft.com/office/drawing/2010/main" w="9525">
                   <a:solidFill>
                     <a:srgbClr val="000000"/>
                   </a:solidFill>
@@ -2870,7 +2877,7 @@
             </a:ln>
             <a:extLst>
               <a:ext uri="{91240B29-F687-4f45-9708-019B960494DF}">
-                <a14:hiddenLine xmlns:a14="http://schemas.microsoft.com/office/drawing/2010/main" xmlns="" w="9525">
+                <a14:hiddenLine xmlns="" xmlns:a14="http://schemas.microsoft.com/office/drawing/2010/main" w="9525">
                   <a:solidFill>
                     <a:srgbClr val="000000"/>
                   </a:solidFill>
@@ -2932,7 +2939,7 @@
             </a:ln>
             <a:extLst>
               <a:ext uri="{91240B29-F687-4f45-9708-019B960494DF}">
-                <a14:hiddenLine xmlns:a14="http://schemas.microsoft.com/office/drawing/2010/main" xmlns="" w="9525">
+                <a14:hiddenLine xmlns="" xmlns:a14="http://schemas.microsoft.com/office/drawing/2010/main" w="9525">
                   <a:solidFill>
                     <a:srgbClr val="000000"/>
                   </a:solidFill>
@@ -3022,7 +3029,7 @@
             </a:ln>
             <a:extLst>
               <a:ext uri="{91240B29-F687-4f45-9708-019B960494DF}">
-                <a14:hiddenLine xmlns:a14="http://schemas.microsoft.com/office/drawing/2010/main" xmlns="" w="9525">
+                <a14:hiddenLine xmlns="" xmlns:a14="http://schemas.microsoft.com/office/drawing/2010/main" w="9525">
                   <a:solidFill>
                     <a:srgbClr val="000000"/>
                   </a:solidFill>
@@ -3084,7 +3091,7 @@
             </a:ln>
             <a:extLst>
               <a:ext uri="{91240B29-F687-4f45-9708-019B960494DF}">
-                <a14:hiddenLine xmlns:a14="http://schemas.microsoft.com/office/drawing/2010/main" xmlns="" w="9525">
+                <a14:hiddenLine xmlns="" xmlns:a14="http://schemas.microsoft.com/office/drawing/2010/main" w="9525">
                   <a:solidFill>
                     <a:srgbClr val="000000"/>
                   </a:solidFill>
@@ -3174,7 +3181,7 @@
             </a:ln>
             <a:extLst>
               <a:ext uri="{91240B29-F687-4f45-9708-019B960494DF}">
-                <a14:hiddenLine xmlns:a14="http://schemas.microsoft.com/office/drawing/2010/main" xmlns="" w="9525">
+                <a14:hiddenLine xmlns="" xmlns:a14="http://schemas.microsoft.com/office/drawing/2010/main" w="9525">
                   <a:solidFill>
                     <a:srgbClr val="000000"/>
                   </a:solidFill>
@@ -3208,7 +3215,7 @@
             </a:ln>
             <a:extLst>
               <a:ext uri="{91240B29-F687-4f45-9708-019B960494DF}">
-                <a14:hiddenLine xmlns:a14="http://schemas.microsoft.com/office/drawing/2010/main" xmlns="" w="9525">
+                <a14:hiddenLine xmlns="" xmlns:a14="http://schemas.microsoft.com/office/drawing/2010/main" w="9525">
                   <a:solidFill>
                     <a:srgbClr val="000000"/>
                   </a:solidFill>
@@ -3273,7 +3280,7 @@
             </a:ln>
             <a:extLst>
               <a:ext uri="{91240B29-F687-4f45-9708-019B960494DF}">
-                <a14:hiddenLine xmlns:a14="http://schemas.microsoft.com/office/drawing/2010/main" xmlns="" w="9525">
+                <a14:hiddenLine xmlns="" xmlns:a14="http://schemas.microsoft.com/office/drawing/2010/main" w="9525">
                   <a:solidFill>
                     <a:srgbClr val="000000"/>
                   </a:solidFill>
@@ -3363,7 +3370,7 @@
             </a:ln>
             <a:extLst>
               <a:ext uri="{91240B29-F687-4f45-9708-019B960494DF}">
-                <a14:hiddenLine xmlns:a14="http://schemas.microsoft.com/office/drawing/2010/main" xmlns="" w="9525">
+                <a14:hiddenLine xmlns="" xmlns:a14="http://schemas.microsoft.com/office/drawing/2010/main" w="9525">
                   <a:solidFill>
                     <a:srgbClr val="000000"/>
                   </a:solidFill>
@@ -3425,7 +3432,7 @@
             </a:ln>
             <a:extLst>
               <a:ext uri="{91240B29-F687-4f45-9708-019B960494DF}">
-                <a14:hiddenLine xmlns:a14="http://schemas.microsoft.com/office/drawing/2010/main" xmlns="" w="9525">
+                <a14:hiddenLine xmlns="" xmlns:a14="http://schemas.microsoft.com/office/drawing/2010/main" w="9525">
                   <a:solidFill>
                     <a:srgbClr val="000000"/>
                   </a:solidFill>
@@ -3515,7 +3522,7 @@
             </a:ln>
             <a:extLst>
               <a:ext uri="{91240B29-F687-4f45-9708-019B960494DF}">
-                <a14:hiddenLine xmlns:a14="http://schemas.microsoft.com/office/drawing/2010/main" xmlns="" w="9525">
+                <a14:hiddenLine xmlns="" xmlns:a14="http://schemas.microsoft.com/office/drawing/2010/main" w="9525">
                   <a:solidFill>
                     <a:srgbClr val="000000"/>
                   </a:solidFill>
@@ -3605,7 +3612,7 @@
             </a:ln>
             <a:extLst>
               <a:ext uri="{91240B29-F687-4f45-9708-019B960494DF}">
-                <a14:hiddenLine xmlns:a14="http://schemas.microsoft.com/office/drawing/2010/main" xmlns="" w="9525">
+                <a14:hiddenLine xmlns="" xmlns:a14="http://schemas.microsoft.com/office/drawing/2010/main" w="9525">
                   <a:solidFill>
                     <a:srgbClr val="000000"/>
                   </a:solidFill>
@@ -3670,7 +3677,7 @@
             </a:ln>
             <a:extLst>
               <a:ext uri="{91240B29-F687-4f45-9708-019B960494DF}">
-                <a14:hiddenLine xmlns:a14="http://schemas.microsoft.com/office/drawing/2010/main" xmlns="" w="9525">
+                <a14:hiddenLine xmlns="" xmlns:a14="http://schemas.microsoft.com/office/drawing/2010/main" w="9525">
                   <a:solidFill>
                     <a:srgbClr val="000000"/>
                   </a:solidFill>
@@ -3732,7 +3739,7 @@
             </a:ln>
             <a:extLst>
               <a:ext uri="{91240B29-F687-4f45-9708-019B960494DF}">
-                <a14:hiddenLine xmlns:a14="http://schemas.microsoft.com/office/drawing/2010/main" xmlns="" w="9525">
+                <a14:hiddenLine xmlns="" xmlns:a14="http://schemas.microsoft.com/office/drawing/2010/main" w="9525">
                   <a:solidFill>
                     <a:srgbClr val="000000"/>
                   </a:solidFill>
@@ -3822,7 +3829,7 @@
             </a:ln>
             <a:extLst>
               <a:ext uri="{91240B29-F687-4f45-9708-019B960494DF}">
-                <a14:hiddenLine xmlns:a14="http://schemas.microsoft.com/office/drawing/2010/main" xmlns="" w="9525">
+                <a14:hiddenLine xmlns="" xmlns:a14="http://schemas.microsoft.com/office/drawing/2010/main" w="9525">
                   <a:solidFill>
                     <a:srgbClr val="000000"/>
                   </a:solidFill>
@@ -3912,7 +3919,7 @@
             </a:ln>
             <a:extLst>
               <a:ext uri="{91240B29-F687-4f45-9708-019B960494DF}">
-                <a14:hiddenLine xmlns:a14="http://schemas.microsoft.com/office/drawing/2010/main" xmlns="" w="9525">
+                <a14:hiddenLine xmlns="" xmlns:a14="http://schemas.microsoft.com/office/drawing/2010/main" w="9525">
                   <a:solidFill>
                     <a:srgbClr val="000000"/>
                   </a:solidFill>
@@ -3974,7 +3981,7 @@
             </a:ln>
             <a:extLst>
               <a:ext uri="{91240B29-F687-4f45-9708-019B960494DF}">
-                <a14:hiddenLine xmlns:a14="http://schemas.microsoft.com/office/drawing/2010/main" xmlns="" w="9525">
+                <a14:hiddenLine xmlns="" xmlns:a14="http://schemas.microsoft.com/office/drawing/2010/main" w="9525">
                   <a:solidFill>
                     <a:srgbClr val="000000"/>
                   </a:solidFill>
@@ -4094,7 +4101,7 @@
             </a:ln>
             <a:extLst>
               <a:ext uri="{91240B29-F687-4f45-9708-019B960494DF}">
-                <a14:hiddenLine xmlns:a14="http://schemas.microsoft.com/office/drawing/2010/main" xmlns="" w="9525">
+                <a14:hiddenLine xmlns="" xmlns:a14="http://schemas.microsoft.com/office/drawing/2010/main" w="9525">
                   <a:solidFill>
                     <a:srgbClr val="000000"/>
                   </a:solidFill>
@@ -4162,7 +4169,7 @@
             </a:ln>
             <a:extLst>
               <a:ext uri="{91240B29-F687-4f45-9708-019B960494DF}">
-                <a14:hiddenLine xmlns:a14="http://schemas.microsoft.com/office/drawing/2010/main" xmlns="" w="9525">
+                <a14:hiddenLine xmlns="" xmlns:a14="http://schemas.microsoft.com/office/drawing/2010/main" w="9525">
                   <a:solidFill>
                     <a:srgbClr val="000000"/>
                   </a:solidFill>
@@ -4252,7 +4259,7 @@
             </a:ln>
             <a:extLst>
               <a:ext uri="{91240B29-F687-4f45-9708-019B960494DF}">
-                <a14:hiddenLine xmlns:a14="http://schemas.microsoft.com/office/drawing/2010/main" xmlns="" w="9525">
+                <a14:hiddenLine xmlns="" xmlns:a14="http://schemas.microsoft.com/office/drawing/2010/main" w="9525">
                   <a:solidFill>
                     <a:srgbClr val="000000"/>
                   </a:solidFill>
@@ -4392,7 +4399,7 @@
           <a:p>
             <a:fld id="{48A87A34-81AB-432B-8DAE-1953F412C126}" type="datetimeFigureOut">
               <a:rPr lang="en-US" dirty="0"/>
-              <a:t>4/25/2022</a:t>
+              <a:t>5/5/2022</a:t>
             </a:fld>
             <a:endParaRPr lang="en-US" dirty="0"/>
           </a:p>
@@ -4654,7 +4661,7 @@
           <a:p>
             <a:fld id="{48A87A34-81AB-432B-8DAE-1953F412C126}" type="datetimeFigureOut">
               <a:rPr lang="en-US" dirty="0"/>
-              <a:t>4/25/2022</a:t>
+              <a:t>5/5/2022</a:t>
             </a:fld>
             <a:endParaRPr lang="en-US" dirty="0"/>
           </a:p>
@@ -4845,7 +4852,7 @@
           <a:p>
             <a:fld id="{48A87A34-81AB-432B-8DAE-1953F412C126}" type="datetimeFigureOut">
               <a:rPr lang="en-US" dirty="0"/>
-              <a:t>4/25/2022</a:t>
+              <a:t>5/5/2022</a:t>
             </a:fld>
             <a:endParaRPr lang="en-US" dirty="0"/>
           </a:p>
@@ -5103,7 +5110,7 @@
           <a:p>
             <a:fld id="{48A87A34-81AB-432B-8DAE-1953F412C126}" type="datetimeFigureOut">
               <a:rPr lang="en-US" dirty="0"/>
-              <a:t>4/25/2022</a:t>
+              <a:t>5/5/2022</a:t>
             </a:fld>
             <a:endParaRPr lang="en-US" dirty="0"/>
           </a:p>
@@ -5532,7 +5539,7 @@
           <a:p>
             <a:fld id="{48A87A34-81AB-432B-8DAE-1953F412C126}" type="datetimeFigureOut">
               <a:rPr lang="en-US" dirty="0"/>
-              <a:t>4/25/2022</a:t>
+              <a:t>5/5/2022</a:t>
             </a:fld>
             <a:endParaRPr lang="en-US" dirty="0"/>
           </a:p>
@@ -6073,7 +6080,7 @@
           <a:p>
             <a:fld id="{48A87A34-81AB-432B-8DAE-1953F412C126}" type="datetimeFigureOut">
               <a:rPr lang="en-US" dirty="0"/>
-              <a:t>4/25/2022</a:t>
+              <a:t>5/5/2022</a:t>
             </a:fld>
             <a:endParaRPr lang="en-US" dirty="0"/>
           </a:p>
@@ -6788,7 +6795,7 @@
           <a:p>
             <a:fld id="{48A87A34-81AB-432B-8DAE-1953F412C126}" type="datetimeFigureOut">
               <a:rPr lang="en-US" dirty="0"/>
-              <a:t>4/25/2022</a:t>
+              <a:t>5/5/2022</a:t>
             </a:fld>
             <a:endParaRPr lang="en-US" dirty="0"/>
           </a:p>
@@ -6953,7 +6960,7 @@
           <a:p>
             <a:fld id="{48A87A34-81AB-432B-8DAE-1953F412C126}" type="datetimeFigureOut">
               <a:rPr lang="en-US" dirty="0"/>
-              <a:t>4/25/2022</a:t>
+              <a:t>5/5/2022</a:t>
             </a:fld>
             <a:endParaRPr lang="en-US" dirty="0"/>
           </a:p>
@@ -7128,7 +7135,7 @@
           <a:p>
             <a:fld id="{48A87A34-81AB-432B-8DAE-1953F412C126}" type="datetimeFigureOut">
               <a:rPr lang="en-US" dirty="0"/>
-              <a:t>4/25/2022</a:t>
+              <a:t>5/5/2022</a:t>
             </a:fld>
             <a:endParaRPr lang="en-US" dirty="0"/>
           </a:p>
@@ -7293,7 +7300,7 @@
           <a:p>
             <a:fld id="{48A87A34-81AB-432B-8DAE-1953F412C126}" type="datetimeFigureOut">
               <a:rPr lang="en-US" dirty="0"/>
-              <a:t>4/25/2022</a:t>
+              <a:t>5/5/2022</a:t>
             </a:fld>
             <a:endParaRPr lang="en-US" dirty="0"/>
           </a:p>
@@ -7538,7 +7545,7 @@
           <a:p>
             <a:fld id="{48A87A34-81AB-432B-8DAE-1953F412C126}" type="datetimeFigureOut">
               <a:rPr lang="en-US" dirty="0"/>
-              <a:t>4/25/2022</a:t>
+              <a:t>5/5/2022</a:t>
             </a:fld>
             <a:endParaRPr lang="en-US" dirty="0"/>
           </a:p>
@@ -7765,7 +7772,7 @@
           <a:p>
             <a:fld id="{48A87A34-81AB-432B-8DAE-1953F412C126}" type="datetimeFigureOut">
               <a:rPr lang="en-US" dirty="0"/>
-              <a:t>4/25/2022</a:t>
+              <a:t>5/5/2022</a:t>
             </a:fld>
             <a:endParaRPr lang="en-US" dirty="0"/>
           </a:p>
@@ -8141,7 +8148,7 @@
           <a:p>
             <a:fld id="{48A87A34-81AB-432B-8DAE-1953F412C126}" type="datetimeFigureOut">
               <a:rPr lang="en-US" dirty="0"/>
-              <a:t>4/25/2022</a:t>
+              <a:t>5/5/2022</a:t>
             </a:fld>
             <a:endParaRPr lang="en-US" dirty="0"/>
           </a:p>
@@ -8254,7 +8261,7 @@
           <a:p>
             <a:fld id="{48A87A34-81AB-432B-8DAE-1953F412C126}" type="datetimeFigureOut">
               <a:rPr lang="en-US" dirty="0"/>
-              <a:t>4/25/2022</a:t>
+              <a:t>5/5/2022</a:t>
             </a:fld>
             <a:endParaRPr lang="en-US" dirty="0"/>
           </a:p>
@@ -8344,7 +8351,7 @@
           <a:p>
             <a:fld id="{48A87A34-81AB-432B-8DAE-1953F412C126}" type="datetimeFigureOut">
               <a:rPr lang="en-US" dirty="0"/>
-              <a:t>4/25/2022</a:t>
+              <a:t>5/5/2022</a:t>
             </a:fld>
             <a:endParaRPr lang="en-US" dirty="0"/>
           </a:p>
@@ -8588,7 +8595,7 @@
           <a:p>
             <a:fld id="{48A87A34-81AB-432B-8DAE-1953F412C126}" type="datetimeFigureOut">
               <a:rPr lang="en-US" dirty="0"/>
-              <a:t>4/25/2022</a:t>
+              <a:t>5/5/2022</a:t>
             </a:fld>
             <a:endParaRPr lang="en-US" dirty="0"/>
           </a:p>
@@ -8863,7 +8870,7 @@
           <a:p>
             <a:fld id="{48A87A34-81AB-432B-8DAE-1953F412C126}" type="datetimeFigureOut">
               <a:rPr lang="en-US" dirty="0"/>
-              <a:t>4/25/2022</a:t>
+              <a:t>5/5/2022</a:t>
             </a:fld>
             <a:endParaRPr lang="en-US" dirty="0"/>
           </a:p>
@@ -8974,7 +8981,7 @@
           <a:noFill/>
           <a:extLst>
             <a:ext uri="{909E8E84-426E-40dd-AFC4-6F175D3DCCD1}">
-              <a14:hiddenFill xmlns:a14="http://schemas.microsoft.com/office/drawing/2010/main" xmlns="">
+              <a14:hiddenFill xmlns="" xmlns:a14="http://schemas.microsoft.com/office/drawing/2010/main">
                 <a:solidFill>
                   <a:srgbClr val="FFFFFF"/>
                 </a:solidFill>
@@ -9048,7 +9055,7 @@
               </a:ln>
               <a:extLst>
                 <a:ext uri="{91240B29-F687-4f45-9708-019B960494DF}">
-                  <a14:hiddenLine xmlns:a14="http://schemas.microsoft.com/office/drawing/2010/main" xmlns="" w="9525">
+                  <a14:hiddenLine xmlns="" xmlns:a14="http://schemas.microsoft.com/office/drawing/2010/main" w="9525">
                     <a:solidFill>
                       <a:srgbClr val="000000"/>
                     </a:solidFill>
@@ -9138,7 +9145,7 @@
               </a:ln>
               <a:extLst>
                 <a:ext uri="{91240B29-F687-4f45-9708-019B960494DF}">
-                  <a14:hiddenLine xmlns:a14="http://schemas.microsoft.com/office/drawing/2010/main" xmlns="" w="9525">
+                  <a14:hiddenLine xmlns="" xmlns:a14="http://schemas.microsoft.com/office/drawing/2010/main" w="9525">
                     <a:solidFill>
                       <a:srgbClr val="000000"/>
                     </a:solidFill>
@@ -9228,7 +9235,7 @@
               </a:ln>
               <a:extLst>
                 <a:ext uri="{91240B29-F687-4f45-9708-019B960494DF}">
-                  <a14:hiddenLine xmlns:a14="http://schemas.microsoft.com/office/drawing/2010/main" xmlns="" w="9525">
+                  <a14:hiddenLine xmlns="" xmlns:a14="http://schemas.microsoft.com/office/drawing/2010/main" w="9525">
                     <a:solidFill>
                       <a:srgbClr val="000000"/>
                     </a:solidFill>
@@ -9290,7 +9297,7 @@
               </a:ln>
               <a:extLst>
                 <a:ext uri="{91240B29-F687-4f45-9708-019B960494DF}">
-                  <a14:hiddenLine xmlns:a14="http://schemas.microsoft.com/office/drawing/2010/main" xmlns="" w="9525">
+                  <a14:hiddenLine xmlns="" xmlns:a14="http://schemas.microsoft.com/office/drawing/2010/main" w="9525">
                     <a:solidFill>
                       <a:srgbClr val="000000"/>
                     </a:solidFill>
@@ -9380,7 +9387,7 @@
               </a:ln>
               <a:extLst>
                 <a:ext uri="{91240B29-F687-4f45-9708-019B960494DF}">
-                  <a14:hiddenLine xmlns:a14="http://schemas.microsoft.com/office/drawing/2010/main" xmlns="" w="9525">
+                  <a14:hiddenLine xmlns="" xmlns:a14="http://schemas.microsoft.com/office/drawing/2010/main" w="9525">
                     <a:solidFill>
                       <a:srgbClr val="000000"/>
                     </a:solidFill>
@@ -9442,7 +9449,7 @@
               </a:ln>
               <a:extLst>
                 <a:ext uri="{91240B29-F687-4f45-9708-019B960494DF}">
-                  <a14:hiddenLine xmlns:a14="http://schemas.microsoft.com/office/drawing/2010/main" xmlns="" w="9525">
+                  <a14:hiddenLine xmlns="" xmlns:a14="http://schemas.microsoft.com/office/drawing/2010/main" w="9525">
                     <a:solidFill>
                       <a:srgbClr val="000000"/>
                     </a:solidFill>
@@ -9504,7 +9511,7 @@
               </a:ln>
               <a:extLst>
                 <a:ext uri="{91240B29-F687-4f45-9708-019B960494DF}">
-                  <a14:hiddenLine xmlns:a14="http://schemas.microsoft.com/office/drawing/2010/main" xmlns="" w="9525">
+                  <a14:hiddenLine xmlns="" xmlns:a14="http://schemas.microsoft.com/office/drawing/2010/main" w="9525">
                     <a:solidFill>
                       <a:srgbClr val="000000"/>
                     </a:solidFill>
@@ -9594,7 +9601,7 @@
               </a:ln>
               <a:extLst>
                 <a:ext uri="{91240B29-F687-4f45-9708-019B960494DF}">
-                  <a14:hiddenLine xmlns:a14="http://schemas.microsoft.com/office/drawing/2010/main" xmlns="" w="9525">
+                  <a14:hiddenLine xmlns="" xmlns:a14="http://schemas.microsoft.com/office/drawing/2010/main" w="9525">
                     <a:solidFill>
                       <a:srgbClr val="000000"/>
                     </a:solidFill>
@@ -9684,7 +9691,7 @@
               </a:ln>
               <a:extLst>
                 <a:ext uri="{91240B29-F687-4f45-9708-019B960494DF}">
-                  <a14:hiddenLine xmlns:a14="http://schemas.microsoft.com/office/drawing/2010/main" xmlns="" w="9525">
+                  <a14:hiddenLine xmlns="" xmlns:a14="http://schemas.microsoft.com/office/drawing/2010/main" w="9525">
                     <a:solidFill>
                       <a:srgbClr val="000000"/>
                     </a:solidFill>
@@ -9746,7 +9753,7 @@
               </a:ln>
               <a:extLst>
                 <a:ext uri="{91240B29-F687-4f45-9708-019B960494DF}">
-                  <a14:hiddenLine xmlns:a14="http://schemas.microsoft.com/office/drawing/2010/main" xmlns="" w="9525">
+                  <a14:hiddenLine xmlns="" xmlns:a14="http://schemas.microsoft.com/office/drawing/2010/main" w="9525">
                     <a:solidFill>
                       <a:srgbClr val="000000"/>
                     </a:solidFill>
@@ -9856,7 +9863,7 @@
               </a:ln>
               <a:extLst>
                 <a:ext uri="{91240B29-F687-4f45-9708-019B960494DF}">
-                  <a14:hiddenLine xmlns:a14="http://schemas.microsoft.com/office/drawing/2010/main" xmlns="" w="9525">
+                  <a14:hiddenLine xmlns="" xmlns:a14="http://schemas.microsoft.com/office/drawing/2010/main" w="9525">
                     <a:solidFill>
                       <a:srgbClr val="000000"/>
                     </a:solidFill>
@@ -9940,7 +9947,7 @@
               </a:ln>
               <a:extLst>
                 <a:ext uri="{91240B29-F687-4f45-9708-019B960494DF}">
-                  <a14:hiddenLine xmlns:a14="http://schemas.microsoft.com/office/drawing/2010/main" xmlns="" w="9525">
+                  <a14:hiddenLine xmlns="" xmlns:a14="http://schemas.microsoft.com/office/drawing/2010/main" w="9525">
                     <a:solidFill>
                       <a:srgbClr val="000000"/>
                     </a:solidFill>
@@ -10002,7 +10009,7 @@
               </a:ln>
               <a:extLst>
                 <a:ext uri="{91240B29-F687-4f45-9708-019B960494DF}">
-                  <a14:hiddenLine xmlns:a14="http://schemas.microsoft.com/office/drawing/2010/main" xmlns="" w="9525">
+                  <a14:hiddenLine xmlns="" xmlns:a14="http://schemas.microsoft.com/office/drawing/2010/main" w="9525">
                     <a:solidFill>
                       <a:srgbClr val="000000"/>
                     </a:solidFill>
@@ -10064,7 +10071,7 @@
               </a:ln>
               <a:extLst>
                 <a:ext uri="{91240B29-F687-4f45-9708-019B960494DF}">
-                  <a14:hiddenLine xmlns:a14="http://schemas.microsoft.com/office/drawing/2010/main" xmlns="" w="9525">
+                  <a14:hiddenLine xmlns="" xmlns:a14="http://schemas.microsoft.com/office/drawing/2010/main" w="9525">
                     <a:solidFill>
                       <a:srgbClr val="000000"/>
                     </a:solidFill>
@@ -10154,7 +10161,7 @@
               </a:ln>
               <a:extLst>
                 <a:ext uri="{91240B29-F687-4f45-9708-019B960494DF}">
-                  <a14:hiddenLine xmlns:a14="http://schemas.microsoft.com/office/drawing/2010/main" xmlns="" w="9525">
+                  <a14:hiddenLine xmlns="" xmlns:a14="http://schemas.microsoft.com/office/drawing/2010/main" w="9525">
                     <a:solidFill>
                       <a:srgbClr val="000000"/>
                     </a:solidFill>
@@ -10188,7 +10195,7 @@
               </a:ln>
               <a:extLst>
                 <a:ext uri="{91240B29-F687-4f45-9708-019B960494DF}">
-                  <a14:hiddenLine xmlns:a14="http://schemas.microsoft.com/office/drawing/2010/main" xmlns="" w="9525">
+                  <a14:hiddenLine xmlns="" xmlns:a14="http://schemas.microsoft.com/office/drawing/2010/main" w="9525">
                     <a:solidFill>
                       <a:srgbClr val="000000"/>
                     </a:solidFill>
@@ -10253,7 +10260,7 @@
               </a:ln>
               <a:extLst>
                 <a:ext uri="{91240B29-F687-4f45-9708-019B960494DF}">
-                  <a14:hiddenLine xmlns:a14="http://schemas.microsoft.com/office/drawing/2010/main" xmlns="" w="9525">
+                  <a14:hiddenLine xmlns="" xmlns:a14="http://schemas.microsoft.com/office/drawing/2010/main" w="9525">
                     <a:solidFill>
                       <a:srgbClr val="000000"/>
                     </a:solidFill>
@@ -10343,7 +10350,7 @@
               </a:ln>
               <a:extLst>
                 <a:ext uri="{91240B29-F687-4f45-9708-019B960494DF}">
-                  <a14:hiddenLine xmlns:a14="http://schemas.microsoft.com/office/drawing/2010/main" xmlns="" w="9525">
+                  <a14:hiddenLine xmlns="" xmlns:a14="http://schemas.microsoft.com/office/drawing/2010/main" w="9525">
                     <a:solidFill>
                       <a:srgbClr val="000000"/>
                     </a:solidFill>
@@ -10405,7 +10412,7 @@
               </a:ln>
               <a:extLst>
                 <a:ext uri="{91240B29-F687-4f45-9708-019B960494DF}">
-                  <a14:hiddenLine xmlns:a14="http://schemas.microsoft.com/office/drawing/2010/main" xmlns="" w="9525">
+                  <a14:hiddenLine xmlns="" xmlns:a14="http://schemas.microsoft.com/office/drawing/2010/main" w="9525">
                     <a:solidFill>
                       <a:srgbClr val="000000"/>
                     </a:solidFill>
@@ -10495,7 +10502,7 @@
               </a:ln>
               <a:extLst>
                 <a:ext uri="{91240B29-F687-4f45-9708-019B960494DF}">
-                  <a14:hiddenLine xmlns:a14="http://schemas.microsoft.com/office/drawing/2010/main" xmlns="" w="9525">
+                  <a14:hiddenLine xmlns="" xmlns:a14="http://schemas.microsoft.com/office/drawing/2010/main" w="9525">
                     <a:solidFill>
                       <a:srgbClr val="000000"/>
                     </a:solidFill>
@@ -10560,7 +10567,7 @@
               </a:ln>
               <a:extLst>
                 <a:ext uri="{91240B29-F687-4f45-9708-019B960494DF}">
-                  <a14:hiddenLine xmlns:a14="http://schemas.microsoft.com/office/drawing/2010/main" xmlns="" w="9525">
+                  <a14:hiddenLine xmlns="" xmlns:a14="http://schemas.microsoft.com/office/drawing/2010/main" w="9525">
                     <a:solidFill>
                       <a:srgbClr val="000000"/>
                     </a:solidFill>
@@ -10622,7 +10629,7 @@
               </a:ln>
               <a:extLst>
                 <a:ext uri="{91240B29-F687-4f45-9708-019B960494DF}">
-                  <a14:hiddenLine xmlns:a14="http://schemas.microsoft.com/office/drawing/2010/main" xmlns="" w="9525">
+                  <a14:hiddenLine xmlns="" xmlns:a14="http://schemas.microsoft.com/office/drawing/2010/main" w="9525">
                     <a:solidFill>
                       <a:srgbClr val="000000"/>
                     </a:solidFill>
@@ -10712,7 +10719,7 @@
               </a:ln>
               <a:extLst>
                 <a:ext uri="{91240B29-F687-4f45-9708-019B960494DF}">
-                  <a14:hiddenLine xmlns:a14="http://schemas.microsoft.com/office/drawing/2010/main" xmlns="" w="9525">
+                  <a14:hiddenLine xmlns="" xmlns:a14="http://schemas.microsoft.com/office/drawing/2010/main" w="9525">
                     <a:solidFill>
                       <a:srgbClr val="000000"/>
                     </a:solidFill>
@@ -10802,7 +10809,7 @@
               </a:ln>
               <a:extLst>
                 <a:ext uri="{91240B29-F687-4f45-9708-019B960494DF}">
-                  <a14:hiddenLine xmlns:a14="http://schemas.microsoft.com/office/drawing/2010/main" xmlns="" w="9525">
+                  <a14:hiddenLine xmlns="" xmlns:a14="http://schemas.microsoft.com/office/drawing/2010/main" w="9525">
                     <a:solidFill>
                       <a:srgbClr val="000000"/>
                     </a:solidFill>
@@ -10867,7 +10874,7 @@
               </a:ln>
               <a:extLst>
                 <a:ext uri="{91240B29-F687-4f45-9708-019B960494DF}">
-                  <a14:hiddenLine xmlns:a14="http://schemas.microsoft.com/office/drawing/2010/main" xmlns="" w="9525">
+                  <a14:hiddenLine xmlns="" xmlns:a14="http://schemas.microsoft.com/office/drawing/2010/main" w="9525">
                     <a:solidFill>
                       <a:srgbClr val="000000"/>
                     </a:solidFill>
@@ -10987,7 +10994,7 @@
               </a:ln>
               <a:extLst>
                 <a:ext uri="{91240B29-F687-4f45-9708-019B960494DF}">
-                  <a14:hiddenLine xmlns:a14="http://schemas.microsoft.com/office/drawing/2010/main" xmlns="" w="9525">
+                  <a14:hiddenLine xmlns="" xmlns:a14="http://schemas.microsoft.com/office/drawing/2010/main" w="9525">
                     <a:solidFill>
                       <a:srgbClr val="000000"/>
                     </a:solidFill>
@@ -11085,7 +11092,7 @@
               </a:ln>
               <a:extLst>
                 <a:ext uri="{91240B29-F687-4f45-9708-019B960494DF}">
-                  <a14:hiddenLine xmlns:a14="http://schemas.microsoft.com/office/drawing/2010/main" xmlns="" w="9525">
+                  <a14:hiddenLine xmlns="" xmlns:a14="http://schemas.microsoft.com/office/drawing/2010/main" w="9525">
                     <a:solidFill>
                       <a:srgbClr val="000000"/>
                     </a:solidFill>
@@ -11200,7 +11207,7 @@
               </a:ln>
               <a:extLst>
                 <a:ext uri="{91240B29-F687-4f45-9708-019B960494DF}">
-                  <a14:hiddenLine xmlns:a14="http://schemas.microsoft.com/office/drawing/2010/main" xmlns="" w="9525">
+                  <a14:hiddenLine xmlns="" xmlns:a14="http://schemas.microsoft.com/office/drawing/2010/main" w="9525">
                     <a:solidFill>
                       <a:srgbClr val="000000"/>
                     </a:solidFill>
@@ -11290,7 +11297,7 @@
               </a:ln>
               <a:extLst>
                 <a:ext uri="{91240B29-F687-4f45-9708-019B960494DF}">
-                  <a14:hiddenLine xmlns:a14="http://schemas.microsoft.com/office/drawing/2010/main" xmlns="" w="9525">
+                  <a14:hiddenLine xmlns="" xmlns:a14="http://schemas.microsoft.com/office/drawing/2010/main" w="9525">
                     <a:solidFill>
                       <a:srgbClr val="000000"/>
                     </a:solidFill>
@@ -11355,7 +11362,7 @@
               </a:ln>
               <a:extLst>
                 <a:ext uri="{91240B29-F687-4f45-9708-019B960494DF}">
-                  <a14:hiddenLine xmlns:a14="http://schemas.microsoft.com/office/drawing/2010/main" xmlns="" w="9525">
+                  <a14:hiddenLine xmlns="" xmlns:a14="http://schemas.microsoft.com/office/drawing/2010/main" w="9525">
                     <a:solidFill>
                       <a:srgbClr val="000000"/>
                     </a:solidFill>
@@ -11445,7 +11452,7 @@
               </a:ln>
               <a:extLst>
                 <a:ext uri="{91240B29-F687-4f45-9708-019B960494DF}">
-                  <a14:hiddenLine xmlns:a14="http://schemas.microsoft.com/office/drawing/2010/main" xmlns="" w="9525">
+                  <a14:hiddenLine xmlns="" xmlns:a14="http://schemas.microsoft.com/office/drawing/2010/main" w="9525">
                     <a:solidFill>
                       <a:srgbClr val="000000"/>
                     </a:solidFill>
@@ -11513,7 +11520,7 @@
               </a:ln>
               <a:extLst>
                 <a:ext uri="{91240B29-F687-4f45-9708-019B960494DF}">
-                  <a14:hiddenLine xmlns:a14="http://schemas.microsoft.com/office/drawing/2010/main" xmlns="" w="9525">
+                  <a14:hiddenLine xmlns="" xmlns:a14="http://schemas.microsoft.com/office/drawing/2010/main" w="9525">
                     <a:solidFill>
                       <a:srgbClr val="000000"/>
                     </a:solidFill>
@@ -11603,7 +11610,7 @@
               </a:ln>
               <a:extLst>
                 <a:ext uri="{91240B29-F687-4f45-9708-019B960494DF}">
-                  <a14:hiddenLine xmlns:a14="http://schemas.microsoft.com/office/drawing/2010/main" xmlns="" w="9525">
+                  <a14:hiddenLine xmlns="" xmlns:a14="http://schemas.microsoft.com/office/drawing/2010/main" w="9525">
                     <a:solidFill>
                       <a:srgbClr val="000000"/>
                     </a:solidFill>
@@ -11671,7 +11678,7 @@
               </a:ln>
               <a:extLst>
                 <a:ext uri="{91240B29-F687-4f45-9708-019B960494DF}">
-                  <a14:hiddenLine xmlns:a14="http://schemas.microsoft.com/office/drawing/2010/main" xmlns="" w="9525">
+                  <a14:hiddenLine xmlns="" xmlns:a14="http://schemas.microsoft.com/office/drawing/2010/main" w="9525">
                     <a:solidFill>
                       <a:srgbClr val="000000"/>
                     </a:solidFill>
@@ -11761,7 +11768,7 @@
               </a:ln>
               <a:extLst>
                 <a:ext uri="{91240B29-F687-4f45-9708-019B960494DF}">
-                  <a14:hiddenLine xmlns:a14="http://schemas.microsoft.com/office/drawing/2010/main" xmlns="" w="9525">
+                  <a14:hiddenLine xmlns="" xmlns:a14="http://schemas.microsoft.com/office/drawing/2010/main" w="9525">
                     <a:solidFill>
                       <a:srgbClr val="000000"/>
                     </a:solidFill>
@@ -11795,7 +11802,7 @@
               </a:ln>
               <a:extLst>
                 <a:ext uri="{91240B29-F687-4f45-9708-019B960494DF}">
-                  <a14:hiddenLine xmlns:a14="http://schemas.microsoft.com/office/drawing/2010/main" xmlns="" w="9525">
+                  <a14:hiddenLine xmlns="" xmlns:a14="http://schemas.microsoft.com/office/drawing/2010/main" w="9525">
                     <a:solidFill>
                       <a:srgbClr val="000000"/>
                     </a:solidFill>
@@ -11936,7 +11943,7 @@
             <a:fld id="{48A87A34-81AB-432B-8DAE-1953F412C126}" type="datetimeFigureOut">
               <a:rPr lang="en-US" dirty="0"/>
               <a:pPr/>
-              <a:t>4/25/2022</a:t>
+              <a:t>5/5/2022</a:t>
             </a:fld>
             <a:endParaRPr lang="en-US" dirty="0"/>
           </a:p>
@@ -12468,6 +12475,186 @@
           <a:chExt cx="0" cy="0"/>
         </a:xfrm>
       </p:grpSpPr>
+      <p:pic>
+        <p:nvPicPr>
+          <p:cNvPr id="4" name="Picture 3">
+            <a:extLst>
+              <a:ext uri="{FF2B5EF4-FFF2-40B4-BE49-F238E27FC236}">
+                <a16:creationId xmlns:a16="http://schemas.microsoft.com/office/drawing/2014/main" id="{0B1DCAE7-E999-1419-1F91-D41D6362E7A8}"/>
+              </a:ext>
+            </a:extLst>
+          </p:cNvPr>
+          <p:cNvPicPr>
+            <a:picLocks noChangeAspect="1"/>
+          </p:cNvPicPr>
+          <p:nvPr/>
+        </p:nvPicPr>
+        <p:blipFill>
+          <a:blip r:embed="rId2"/>
+          <a:stretch>
+            <a:fillRect/>
+          </a:stretch>
+        </p:blipFill>
+        <p:spPr>
+          <a:xfrm>
+            <a:off x="406557" y="315196"/>
+            <a:ext cx="8811855" cy="657317"/>
+          </a:xfrm>
+          <a:prstGeom prst="rect">
+            <a:avLst/>
+          </a:prstGeom>
+        </p:spPr>
+      </p:pic>
+      <p:pic>
+        <p:nvPicPr>
+          <p:cNvPr id="10" name="Picture 9">
+            <a:extLst>
+              <a:ext uri="{FF2B5EF4-FFF2-40B4-BE49-F238E27FC236}">
+                <a16:creationId xmlns:a16="http://schemas.microsoft.com/office/drawing/2014/main" id="{DEC7DC83-6D22-35F6-0B91-5A26AB4809EA}"/>
+              </a:ext>
+            </a:extLst>
+          </p:cNvPr>
+          <p:cNvPicPr>
+            <a:picLocks noChangeAspect="1"/>
+          </p:cNvPicPr>
+          <p:nvPr/>
+        </p:nvPicPr>
+        <p:blipFill>
+          <a:blip r:embed="rId3"/>
+          <a:stretch>
+            <a:fillRect/>
+          </a:stretch>
+        </p:blipFill>
+        <p:spPr>
+          <a:xfrm>
+            <a:off x="406557" y="1331915"/>
+            <a:ext cx="5934903" cy="2667372"/>
+          </a:xfrm>
+          <a:prstGeom prst="rect">
+            <a:avLst/>
+          </a:prstGeom>
+        </p:spPr>
+      </p:pic>
+      <p:pic>
+        <p:nvPicPr>
+          <p:cNvPr id="12" name="Picture 11">
+            <a:extLst>
+              <a:ext uri="{FF2B5EF4-FFF2-40B4-BE49-F238E27FC236}">
+                <a16:creationId xmlns:a16="http://schemas.microsoft.com/office/drawing/2014/main" id="{001A0017-A6DB-EB97-C77F-3A2D5FF2EC7A}"/>
+              </a:ext>
+            </a:extLst>
+          </p:cNvPr>
+          <p:cNvPicPr>
+            <a:picLocks noChangeAspect="1"/>
+          </p:cNvPicPr>
+          <p:nvPr/>
+        </p:nvPicPr>
+        <p:blipFill>
+          <a:blip r:embed="rId4"/>
+          <a:stretch>
+            <a:fillRect/>
+          </a:stretch>
+        </p:blipFill>
+        <p:spPr>
+          <a:xfrm>
+            <a:off x="6811451" y="1331915"/>
+            <a:ext cx="5229955" cy="2495898"/>
+          </a:xfrm>
+          <a:prstGeom prst="rect">
+            <a:avLst/>
+          </a:prstGeom>
+        </p:spPr>
+      </p:pic>
+      <p:pic>
+        <p:nvPicPr>
+          <p:cNvPr id="16" name="Picture 15">
+            <a:extLst>
+              <a:ext uri="{FF2B5EF4-FFF2-40B4-BE49-F238E27FC236}">
+                <a16:creationId xmlns:a16="http://schemas.microsoft.com/office/drawing/2014/main" id="{51DFBF51-F355-EFF5-F182-0AF1DE7B71BD}"/>
+              </a:ext>
+            </a:extLst>
+          </p:cNvPr>
+          <p:cNvPicPr>
+            <a:picLocks noChangeAspect="1"/>
+          </p:cNvPicPr>
+          <p:nvPr/>
+        </p:nvPicPr>
+        <p:blipFill>
+          <a:blip r:embed="rId5"/>
+          <a:stretch>
+            <a:fillRect/>
+          </a:stretch>
+        </p:blipFill>
+        <p:spPr>
+          <a:xfrm>
+            <a:off x="406557" y="4289167"/>
+            <a:ext cx="5001323" cy="1400370"/>
+          </a:xfrm>
+          <a:prstGeom prst="rect">
+            <a:avLst/>
+          </a:prstGeom>
+        </p:spPr>
+      </p:pic>
+      <p:pic>
+        <p:nvPicPr>
+          <p:cNvPr id="18" name="Picture 17">
+            <a:extLst>
+              <a:ext uri="{FF2B5EF4-FFF2-40B4-BE49-F238E27FC236}">
+                <a16:creationId xmlns:a16="http://schemas.microsoft.com/office/drawing/2014/main" id="{2BC91336-44E2-59C8-FDA1-BC8185964A97}"/>
+              </a:ext>
+            </a:extLst>
+          </p:cNvPr>
+          <p:cNvPicPr>
+            <a:picLocks noChangeAspect="1"/>
+          </p:cNvPicPr>
+          <p:nvPr/>
+        </p:nvPicPr>
+        <p:blipFill>
+          <a:blip r:embed="rId6"/>
+          <a:stretch>
+            <a:fillRect/>
+          </a:stretch>
+        </p:blipFill>
+        <p:spPr>
+          <a:xfrm>
+            <a:off x="8378096" y="4187215"/>
+            <a:ext cx="2747954" cy="2436330"/>
+          </a:xfrm>
+          <a:prstGeom prst="rect">
+            <a:avLst/>
+          </a:prstGeom>
+        </p:spPr>
+      </p:pic>
+    </p:spTree>
+    <p:extLst>
+      <p:ext uri="{BB962C8B-B14F-4D97-AF65-F5344CB8AC3E}">
+        <p14:creationId xmlns:p14="http://schemas.microsoft.com/office/powerpoint/2010/main" val="2544155959"/>
+      </p:ext>
+    </p:extLst>
+  </p:cSld>
+  <p:clrMapOvr>
+    <a:masterClrMapping/>
+  </p:clrMapOvr>
+</p:sld>
+</file>
+
+<file path=ppt/slides/slide11.xml><?xml version="1.0" encoding="utf-8"?>
+<p:sld xmlns:a="http://schemas.openxmlformats.org/drawingml/2006/main" xmlns:r="http://schemas.openxmlformats.org/officeDocument/2006/relationships" xmlns:p="http://schemas.openxmlformats.org/presentationml/2006/main">
+  <p:cSld>
+    <p:spTree>
+      <p:nvGrpSpPr>
+        <p:cNvPr id="1" name=""/>
+        <p:cNvGrpSpPr/>
+        <p:nvPr/>
+      </p:nvGrpSpPr>
+      <p:grpSpPr>
+        <a:xfrm>
+          <a:off x="0" y="0"/>
+          <a:ext cx="0" cy="0"/>
+          <a:chOff x="0" y="0"/>
+          <a:chExt cx="0" cy="0"/>
+        </a:xfrm>
+      </p:grpSpPr>
       <p:sp>
         <p:nvSpPr>
           <p:cNvPr id="2" name="Title 1">
@@ -12490,8 +12677,96 @@
           <a:lstStyle/>
           <a:p>
             <a:r>
-              <a:rPr lang="en-US"/>
-              <a:t>Walls</a:t>
+              <a:rPr lang="en-US" dirty="0"/>
+              <a:t>Walls, Pellets</a:t>
+            </a:r>
+          </a:p>
+        </p:txBody>
+      </p:sp>
+      <p:pic>
+        <p:nvPicPr>
+          <p:cNvPr id="7" name="Picture 6">
+            <a:extLst>
+              <a:ext uri="{FF2B5EF4-FFF2-40B4-BE49-F238E27FC236}">
+                <a16:creationId xmlns:a16="http://schemas.microsoft.com/office/drawing/2014/main" id="{2A7CA3B9-EF37-6F13-1715-14667712E587}"/>
+              </a:ext>
+            </a:extLst>
+          </p:cNvPr>
+          <p:cNvPicPr>
+            <a:picLocks noChangeAspect="1"/>
+          </p:cNvPicPr>
+          <p:nvPr/>
+        </p:nvPicPr>
+        <p:blipFill>
+          <a:blip r:embed="rId2"/>
+          <a:stretch>
+            <a:fillRect/>
+          </a:stretch>
+        </p:blipFill>
+        <p:spPr>
+          <a:xfrm>
+            <a:off x="1141413" y="1871795"/>
+            <a:ext cx="5268060" cy="2476846"/>
+          </a:xfrm>
+          <a:prstGeom prst="rect">
+            <a:avLst/>
+          </a:prstGeom>
+        </p:spPr>
+      </p:pic>
+    </p:spTree>
+    <p:extLst>
+      <p:ext uri="{BB962C8B-B14F-4D97-AF65-F5344CB8AC3E}">
+        <p14:creationId xmlns:p14="http://schemas.microsoft.com/office/powerpoint/2010/main" val="2708388441"/>
+      </p:ext>
+    </p:extLst>
+  </p:cSld>
+  <p:clrMapOvr>
+    <a:masterClrMapping/>
+  </p:clrMapOvr>
+</p:sld>
+</file>
+
+<file path=ppt/slides/slide12.xml><?xml version="1.0" encoding="utf-8"?>
+<p:sld xmlns:a="http://schemas.openxmlformats.org/drawingml/2006/main" xmlns:r="http://schemas.openxmlformats.org/officeDocument/2006/relationships" xmlns:p="http://schemas.openxmlformats.org/presentationml/2006/main">
+  <p:cSld>
+    <p:spTree>
+      <p:nvGrpSpPr>
+        <p:cNvPr id="1" name=""/>
+        <p:cNvGrpSpPr/>
+        <p:nvPr/>
+      </p:nvGrpSpPr>
+      <p:grpSpPr>
+        <a:xfrm>
+          <a:off x="0" y="0"/>
+          <a:ext cx="0" cy="0"/>
+          <a:chOff x="0" y="0"/>
+          <a:chExt cx="0" cy="0"/>
+        </a:xfrm>
+      </p:grpSpPr>
+      <p:sp>
+        <p:nvSpPr>
+          <p:cNvPr id="2" name="Title 1">
+            <a:extLst>
+              <a:ext uri="{FF2B5EF4-FFF2-40B4-BE49-F238E27FC236}">
+                <a16:creationId xmlns:a16="http://schemas.microsoft.com/office/drawing/2014/main" id="{28EDA7CA-EB05-6D51-F3D1-EED4D415EFDD}"/>
+              </a:ext>
+            </a:extLst>
+          </p:cNvPr>
+          <p:cNvSpPr>
+            <a:spLocks noGrp="1"/>
+          </p:cNvSpPr>
+          <p:nvPr>
+            <p:ph type="title"/>
+          </p:nvPr>
+        </p:nvSpPr>
+        <p:spPr/>
+        <p:txBody>
+          <a:bodyPr/>
+          <a:lstStyle/>
+          <a:p>
+            <a:r>
+              <a:rPr lang="en-US" dirty="0"/>
+              <a:t>The </a:t>
             </a:r>
           </a:p>
         </p:txBody>
@@ -12501,7 +12776,7 @@
           <p:cNvPr id="3" name="Content Placeholder 2">
             <a:extLst>
               <a:ext uri="{FF2B5EF4-FFF2-40B4-BE49-F238E27FC236}">
-                <a16:creationId xmlns:a16="http://schemas.microsoft.com/office/drawing/2014/main" id="{1DA28321-6958-4268-8D24-0BCC13F08301}"/>
+                <a16:creationId xmlns:a16="http://schemas.microsoft.com/office/drawing/2014/main" id="{5010DF16-DBBF-5023-0AAA-2CB1DFEB7B84}"/>
               </a:ext>
             </a:extLst>
           </p:cNvPr>
@@ -12524,7 +12799,7 @@
     </p:spTree>
     <p:extLst>
       <p:ext uri="{BB962C8B-B14F-4D97-AF65-F5344CB8AC3E}">
-        <p14:creationId xmlns:p14="http://schemas.microsoft.com/office/powerpoint/2010/main" val="2708388441"/>
+        <p14:creationId xmlns:p14="http://schemas.microsoft.com/office/powerpoint/2010/main" val="3061058514"/>
       </p:ext>
     </p:extLst>
   </p:cSld>
@@ -13023,17 +13298,77 @@
         </p:blipFill>
         <p:spPr>
           <a:xfrm>
-            <a:off x="369888" y="256227"/>
-            <a:ext cx="4878387" cy="2329533"/>
+            <a:off x="2326877" y="1629164"/>
+            <a:ext cx="7538246" cy="3599672"/>
           </a:xfrm>
+        </p:spPr>
+      </p:pic>
+    </p:spTree>
+    <p:extLst>
+      <p:ext uri="{BB962C8B-B14F-4D97-AF65-F5344CB8AC3E}">
+        <p14:creationId xmlns:p14="http://schemas.microsoft.com/office/powerpoint/2010/main" val="601045508"/>
+      </p:ext>
+    </p:extLst>
+  </p:cSld>
+  <p:clrMapOvr>
+    <a:masterClrMapping/>
+  </p:clrMapOvr>
+</p:sld>
+</file>
+
+<file path=ppt/slides/slide7.xml><?xml version="1.0" encoding="utf-8"?>
+<p:sld xmlns:a="http://schemas.openxmlformats.org/drawingml/2006/main" xmlns:r="http://schemas.openxmlformats.org/officeDocument/2006/relationships" xmlns:p="http://schemas.openxmlformats.org/presentationml/2006/main">
+  <p:cSld>
+    <p:spTree>
+      <p:nvGrpSpPr>
+        <p:cNvPr id="1" name=""/>
+        <p:cNvGrpSpPr/>
+        <p:nvPr/>
+      </p:nvGrpSpPr>
+      <p:grpSpPr>
+        <a:xfrm>
+          <a:off x="0" y="0"/>
+          <a:ext cx="0" cy="0"/>
+          <a:chOff x="0" y="0"/>
+          <a:chExt cx="0" cy="0"/>
+        </a:xfrm>
+      </p:grpSpPr>
+      <p:pic>
+        <p:nvPicPr>
+          <p:cNvPr id="3" name="Picture 2">
+            <a:extLst>
+              <a:ext uri="{FF2B5EF4-FFF2-40B4-BE49-F238E27FC236}">
+                <a16:creationId xmlns:a16="http://schemas.microsoft.com/office/drawing/2014/main" id="{5662DF73-5C4F-10C3-17FC-4DB12A2A614C}"/>
+              </a:ext>
+            </a:extLst>
+          </p:cNvPr>
+          <p:cNvPicPr>
+            <a:picLocks noChangeAspect="1"/>
+          </p:cNvPicPr>
+          <p:nvPr/>
+        </p:nvPicPr>
+        <p:blipFill>
+          <a:blip r:embed="rId2"/>
+          <a:stretch>
+            <a:fillRect/>
+          </a:stretch>
+        </p:blipFill>
+        <p:spPr>
+          <a:xfrm>
+            <a:off x="2600587" y="487059"/>
+            <a:ext cx="6014906" cy="3563831"/>
+          </a:xfrm>
+          <a:prstGeom prst="rect">
+            <a:avLst/>
+          </a:prstGeom>
         </p:spPr>
       </p:pic>
       <p:pic>
         <p:nvPicPr>
-          <p:cNvPr id="11" name="Picture 10">
+          <p:cNvPr id="6" name="Picture 5">
             <a:extLst>
               <a:ext uri="{FF2B5EF4-FFF2-40B4-BE49-F238E27FC236}">
-                <a16:creationId xmlns:a16="http://schemas.microsoft.com/office/drawing/2014/main" id="{782DC9BF-9A3D-4F05-8336-58F4FDD3B3A7}"/>
+                <a16:creationId xmlns:a16="http://schemas.microsoft.com/office/drawing/2014/main" id="{BF1F54EC-EDAD-1F4D-1E02-5A1F7098A02E}"/>
               </a:ext>
             </a:extLst>
           </p:cNvPr>
@@ -13050,8 +13385,8 @@
         </p:blipFill>
         <p:spPr>
           <a:xfrm>
-            <a:off x="5410200" y="2978960"/>
-            <a:ext cx="6497637" cy="3579279"/>
+            <a:off x="3575921" y="4586169"/>
+            <a:ext cx="4064237" cy="1784772"/>
           </a:xfrm>
           <a:prstGeom prst="rect">
             <a:avLst/>
@@ -13061,7 +13396,7 @@
     </p:spTree>
     <p:extLst>
       <p:ext uri="{BB962C8B-B14F-4D97-AF65-F5344CB8AC3E}">
-        <p14:creationId xmlns:p14="http://schemas.microsoft.com/office/powerpoint/2010/main" val="601045508"/>
+        <p14:creationId xmlns:p14="http://schemas.microsoft.com/office/powerpoint/2010/main" val="1079792550"/>
       </p:ext>
     </p:extLst>
   </p:cSld>
@@ -13071,7 +13406,7 @@
 </p:sld>
 </file>
 
-<file path=ppt/slides/slide7.xml><?xml version="1.0" encoding="utf-8"?>
+<file path=ppt/slides/slide8.xml><?xml version="1.0" encoding="utf-8"?>
 <p:sld xmlns:a="http://schemas.openxmlformats.org/drawingml/2006/main" xmlns:r="http://schemas.openxmlformats.org/officeDocument/2006/relationships" xmlns:p="http://schemas.openxmlformats.org/presentationml/2006/main">
   <p:cSld>
     <p:spTree>
@@ -13129,7 +13464,7 @@
 </p:sld>
 </file>
 
-<file path=ppt/slides/slide8.xml><?xml version="1.0" encoding="utf-8"?>
+<file path=ppt/slides/slide9.xml><?xml version="1.0" encoding="utf-8"?>
 <p:sld xmlns:a="http://schemas.openxmlformats.org/drawingml/2006/main" xmlns:r="http://schemas.openxmlformats.org/officeDocument/2006/relationships" xmlns:p="http://schemas.openxmlformats.org/presentationml/2006/main">
   <p:cSld>
     <p:spTree>
@@ -13237,126 +13572,6 @@
     <p:extLst>
       <p:ext uri="{BB962C8B-B14F-4D97-AF65-F5344CB8AC3E}">
         <p14:creationId xmlns:p14="http://schemas.microsoft.com/office/powerpoint/2010/main" val="1841741132"/>
-      </p:ext>
-    </p:extLst>
-  </p:cSld>
-  <p:clrMapOvr>
-    <a:masterClrMapping/>
-  </p:clrMapOvr>
-</p:sld>
-</file>
-
-<file path=ppt/slides/slide9.xml><?xml version="1.0" encoding="utf-8"?>
-<p:sld xmlns:a="http://schemas.openxmlformats.org/drawingml/2006/main" xmlns:r="http://schemas.openxmlformats.org/officeDocument/2006/relationships" xmlns:p="http://schemas.openxmlformats.org/presentationml/2006/main">
-  <p:cSld>
-    <p:spTree>
-      <p:nvGrpSpPr>
-        <p:cNvPr id="1" name=""/>
-        <p:cNvGrpSpPr/>
-        <p:nvPr/>
-      </p:nvGrpSpPr>
-      <p:grpSpPr>
-        <a:xfrm>
-          <a:off x="0" y="0"/>
-          <a:ext cx="0" cy="0"/>
-          <a:chOff x="0" y="0"/>
-          <a:chExt cx="0" cy="0"/>
-        </a:xfrm>
-      </p:grpSpPr>
-      <p:pic>
-        <p:nvPicPr>
-          <p:cNvPr id="3" name="Picture 2">
-            <a:extLst>
-              <a:ext uri="{FF2B5EF4-FFF2-40B4-BE49-F238E27FC236}">
-                <a16:creationId xmlns:a16="http://schemas.microsoft.com/office/drawing/2014/main" id="{D8FCDAE0-20DA-4A2E-97B1-AFAA309127CC}"/>
-              </a:ext>
-            </a:extLst>
-          </p:cNvPr>
-          <p:cNvPicPr>
-            <a:picLocks noChangeAspect="1"/>
-          </p:cNvPicPr>
-          <p:nvPr/>
-        </p:nvPicPr>
-        <p:blipFill>
-          <a:blip r:embed="rId2"/>
-          <a:stretch>
-            <a:fillRect/>
-          </a:stretch>
-        </p:blipFill>
-        <p:spPr>
-          <a:xfrm>
-            <a:off x="423552" y="356901"/>
-            <a:ext cx="4448796" cy="4105848"/>
-          </a:xfrm>
-          <a:prstGeom prst="rect">
-            <a:avLst/>
-          </a:prstGeom>
-        </p:spPr>
-      </p:pic>
-      <p:pic>
-        <p:nvPicPr>
-          <p:cNvPr id="5" name="Picture 4">
-            <a:extLst>
-              <a:ext uri="{FF2B5EF4-FFF2-40B4-BE49-F238E27FC236}">
-                <a16:creationId xmlns:a16="http://schemas.microsoft.com/office/drawing/2014/main" id="{6597F473-73F3-46AA-A2FC-735093138280}"/>
-              </a:ext>
-            </a:extLst>
-          </p:cNvPr>
-          <p:cNvPicPr>
-            <a:picLocks noChangeAspect="1"/>
-          </p:cNvPicPr>
-          <p:nvPr/>
-        </p:nvPicPr>
-        <p:blipFill>
-          <a:blip r:embed="rId3"/>
-          <a:stretch>
-            <a:fillRect/>
-          </a:stretch>
-        </p:blipFill>
-        <p:spPr>
-          <a:xfrm>
-            <a:off x="423552" y="4462749"/>
-            <a:ext cx="5906324" cy="1057423"/>
-          </a:xfrm>
-          <a:prstGeom prst="rect">
-            <a:avLst/>
-          </a:prstGeom>
-        </p:spPr>
-      </p:pic>
-      <p:pic>
-        <p:nvPicPr>
-          <p:cNvPr id="7" name="Picture 6">
-            <a:extLst>
-              <a:ext uri="{FF2B5EF4-FFF2-40B4-BE49-F238E27FC236}">
-                <a16:creationId xmlns:a16="http://schemas.microsoft.com/office/drawing/2014/main" id="{DFF6DBFB-61CF-4815-BFAF-EB5FF25F5315}"/>
-              </a:ext>
-            </a:extLst>
-          </p:cNvPr>
-          <p:cNvPicPr>
-            <a:picLocks noChangeAspect="1"/>
-          </p:cNvPicPr>
-          <p:nvPr/>
-        </p:nvPicPr>
-        <p:blipFill>
-          <a:blip r:embed="rId4"/>
-          <a:stretch>
-            <a:fillRect/>
-          </a:stretch>
-        </p:blipFill>
-        <p:spPr>
-          <a:xfrm>
-            <a:off x="7907207" y="356901"/>
-            <a:ext cx="3913320" cy="1385967"/>
-          </a:xfrm>
-          <a:prstGeom prst="rect">
-            <a:avLst/>
-          </a:prstGeom>
-        </p:spPr>
-      </p:pic>
-    </p:spTree>
-    <p:extLst>
-      <p:ext uri="{BB962C8B-B14F-4D97-AF65-F5344CB8AC3E}">
-        <p14:creationId xmlns:p14="http://schemas.microsoft.com/office/powerpoint/2010/main" val="2544155959"/>
       </p:ext>
     </p:extLst>
   </p:cSld>
